--- a/services/studio/src/test/resources/test.pptx
+++ b/services/studio/src/test/resources/test.pptx
@@ -9,7 +9,7 @@
   </p:notesMasterIdLst>
   <p:sldIdLst>
     <p:sldId id="258" r:id="rId2"/>
-    <p:sldId id="259" r:id="rId3"/>
+    <p:sldId id="262" r:id="rId3"/>
   </p:sldIdLst>
   <p:sldSz cx="12801600" cy="7772400"/>
   <p:notesSz cx="6950075" cy="11979275"/>
@@ -651,7 +651,7 @@
               </a14:hiddenFill>
             </a:ext>
             <a:ext uri="{FAA26D3D-D897-4be2-8F04-BA451C77F1D7}">
-              <ma14:placeholderFlag xmlns:ma14="http://schemas.microsoft.com/office/mac/drawingml/2011/main" xmlns="" val="1"/>
+              <ma14:placeholderFlag xmlns="" xmlns:ma14="http://schemas.microsoft.com/office/mac/drawingml/2011/main" val="1"/>
             </a:ext>
           </a:extLst>
         </p:spPr>
@@ -687,7 +687,7 @@
               </a14:hiddenLine>
             </a:ext>
             <a:ext uri="{FAA26D3D-D897-4be2-8F04-BA451C77F1D7}">
-              <ma14:placeholderFlag xmlns:ma14="http://schemas.microsoft.com/office/mac/drawingml/2011/main" xmlns="" val="1"/>
+              <ma14:placeholderFlag xmlns="" xmlns:ma14="http://schemas.microsoft.com/office/mac/drawingml/2011/main" val="1"/>
             </a:ext>
           </a:extLst>
         </p:spPr>
@@ -819,7 +819,7 @@
               </a14:hiddenFill>
             </a:ext>
             <a:ext uri="{FAA26D3D-D897-4be2-8F04-BA451C77F1D7}">
-              <ma14:placeholderFlag xmlns:ma14="http://schemas.microsoft.com/office/mac/drawingml/2011/main" xmlns="" val="1"/>
+              <ma14:placeholderFlag xmlns="" xmlns:ma14="http://schemas.microsoft.com/office/mac/drawingml/2011/main" val="1"/>
             </a:ext>
           </a:extLst>
         </p:spPr>
@@ -855,7 +855,7 @@
               </a14:hiddenLine>
             </a:ext>
             <a:ext uri="{FAA26D3D-D897-4be2-8F04-BA451C77F1D7}">
-              <ma14:placeholderFlag xmlns:ma14="http://schemas.microsoft.com/office/mac/drawingml/2011/main" xmlns="" val="1"/>
+              <ma14:placeholderFlag xmlns="" xmlns:ma14="http://schemas.microsoft.com/office/mac/drawingml/2011/main" val="1"/>
             </a:ext>
           </a:extLst>
         </p:spPr>
@@ -936,7 +936,7 @@
     </p:spTree>
     <p:extLst>
       <p:ext uri="{BB962C8B-B14F-4D97-AF65-F5344CB8AC3E}">
-        <p14:creationId xmlns:p14="http://schemas.microsoft.com/office/powerpoint/2010/main" val="3323798033"/>
+        <p14:creationId xmlns:p14="http://schemas.microsoft.com/office/powerpoint/2010/main" val="805148411"/>
       </p:ext>
     </p:extLst>
   </p:cSld>
@@ -3957,7 +3957,7 @@
               </a14:hiddenLine>
             </a:ext>
             <a:ext uri="{FAA26D3D-D897-4be2-8F04-BA451C77F1D7}">
-              <ma14:placeholderFlag xmlns:ma14="http://schemas.microsoft.com/office/mac/drawingml/2011/main" xmlns="" val="1"/>
+              <ma14:placeholderFlag xmlns="" xmlns:ma14="http://schemas.microsoft.com/office/mac/drawingml/2011/main" val="1"/>
             </a:ext>
           </a:extLst>
         </p:spPr>
@@ -4018,7 +4018,7 @@
               </a14:hiddenLine>
             </a:ext>
             <a:ext uri="{FAA26D3D-D897-4be2-8F04-BA451C77F1D7}">
-              <ma14:placeholderFlag xmlns:ma14="http://schemas.microsoft.com/office/mac/drawingml/2011/main" xmlns="" val="1"/>
+              <ma14:placeholderFlag xmlns="" xmlns:ma14="http://schemas.microsoft.com/office/mac/drawingml/2011/main" val="1"/>
             </a:ext>
           </a:extLst>
         </p:spPr>
@@ -9331,7 +9331,7 @@
         </p:nvSpPr>
         <p:spPr bwMode="auto">
           <a:xfrm>
-            <a:off x="880080" y="5554663"/>
+            <a:off x="927100" y="5632025"/>
             <a:ext cx="463550" cy="304800"/>
           </a:xfrm>
           <a:prstGeom prst="ellipse">
@@ -9400,7 +9400,7 @@
         </p:nvSpPr>
         <p:spPr bwMode="auto">
           <a:xfrm>
-            <a:off x="5566728" y="5707063"/>
+            <a:off x="5505450" y="5599112"/>
             <a:ext cx="463550" cy="304800"/>
           </a:xfrm>
           <a:prstGeom prst="ellipse">
@@ -9472,7 +9472,7 @@
         </p:nvSpPr>
         <p:spPr bwMode="auto">
           <a:xfrm>
-            <a:off x="5572157" y="6284119"/>
+            <a:off x="5510720" y="6062198"/>
             <a:ext cx="463550" cy="304800"/>
           </a:xfrm>
           <a:prstGeom prst="ellipse">
@@ -9530,194 +9530,6 @@
       </p:sp>
       <p:sp>
         <p:nvSpPr>
-          <p:cNvPr id="165" name="Freeform 164">
-            <a:extLst>
-              <a:ext uri="{FF2B5EF4-FFF2-40B4-BE49-F238E27FC236}">
-                <a16:creationId xmlns:a16="http://schemas.microsoft.com/office/drawing/2014/main" id="{C07A3519-0814-43A4-8FC7-BE4BAC5B5E11}"/>
-              </a:ext>
-            </a:extLst>
-          </p:cNvPr>
-          <p:cNvSpPr/>
-          <p:nvPr/>
-        </p:nvSpPr>
-        <p:spPr>
-          <a:xfrm rot="17002845">
-            <a:off x="6227160" y="2023716"/>
-            <a:ext cx="1351568" cy="4416425"/>
-          </a:xfrm>
-          <a:custGeom>
-            <a:avLst/>
-            <a:gdLst>
-              <a:gd name="connsiteX0" fmla="*/ 0 w 173065"/>
-              <a:gd name="connsiteY0" fmla="*/ 718088 h 718088"/>
-              <a:gd name="connsiteX1" fmla="*/ 144651 w 173065"/>
-              <a:gd name="connsiteY1" fmla="*/ 511444 h 718088"/>
-              <a:gd name="connsiteX2" fmla="*/ 170482 w 173065"/>
-              <a:gd name="connsiteY2" fmla="*/ 0 h 718088"/>
-            </a:gdLst>
-            <a:ahLst/>
-            <a:cxnLst>
-              <a:cxn ang="0">
-                <a:pos x="connsiteX0" y="connsiteY0"/>
-              </a:cxn>
-              <a:cxn ang="0">
-                <a:pos x="connsiteX1" y="connsiteY1"/>
-              </a:cxn>
-              <a:cxn ang="0">
-                <a:pos x="connsiteX2" y="connsiteY2"/>
-              </a:cxn>
-            </a:cxnLst>
-            <a:rect l="l" t="t" r="r" b="b"/>
-            <a:pathLst>
-              <a:path w="173065" h="718088">
-                <a:moveTo>
-                  <a:pt x="0" y="718088"/>
-                </a:moveTo>
-                <a:cubicBezTo>
-                  <a:pt x="58118" y="674606"/>
-                  <a:pt x="116237" y="631125"/>
-                  <a:pt x="144651" y="511444"/>
-                </a:cubicBezTo>
-                <a:cubicBezTo>
-                  <a:pt x="173065" y="391763"/>
-                  <a:pt x="171773" y="195881"/>
-                  <a:pt x="170482" y="0"/>
-                </a:cubicBezTo>
-              </a:path>
-            </a:pathLst>
-          </a:custGeom>
-          <a:ln w="57150" cmpd="sng">
-            <a:solidFill>
-              <a:srgbClr val="FF0000"/>
-            </a:solidFill>
-            <a:prstDash val="solid"/>
-            <a:tailEnd type="stealth" w="lg" len="lg"/>
-          </a:ln>
-        </p:spPr>
-        <p:style>
-          <a:lnRef idx="1">
-            <a:schemeClr val="dk1"/>
-          </a:lnRef>
-          <a:fillRef idx="0">
-            <a:schemeClr val="dk1"/>
-          </a:fillRef>
-          <a:effectRef idx="0">
-            <a:schemeClr val="dk1"/>
-          </a:effectRef>
-          <a:fontRef idx="minor">
-            <a:schemeClr val="tx1"/>
-          </a:fontRef>
-        </p:style>
-        <p:txBody>
-          <a:bodyPr anchor="ctr"/>
-          <a:lstStyle>
-            <a:lvl1pPr>
-              <a:defRPr>
-                <a:solidFill>
-                  <a:schemeClr val="tx1"/>
-                </a:solidFill>
-                <a:latin typeface="+mn-lt"/>
-                <a:ea typeface="+mn-ea"/>
-                <a:cs typeface="+mn-cs"/>
-              </a:defRPr>
-            </a:lvl1pPr>
-            <a:lvl2pPr>
-              <a:defRPr>
-                <a:solidFill>
-                  <a:schemeClr val="tx1"/>
-                </a:solidFill>
-                <a:latin typeface="+mn-lt"/>
-                <a:ea typeface="+mn-ea"/>
-                <a:cs typeface="+mn-cs"/>
-              </a:defRPr>
-            </a:lvl2pPr>
-            <a:lvl3pPr>
-              <a:defRPr>
-                <a:solidFill>
-                  <a:schemeClr val="tx1"/>
-                </a:solidFill>
-                <a:latin typeface="+mn-lt"/>
-                <a:ea typeface="+mn-ea"/>
-                <a:cs typeface="+mn-cs"/>
-              </a:defRPr>
-            </a:lvl3pPr>
-            <a:lvl4pPr>
-              <a:defRPr>
-                <a:solidFill>
-                  <a:schemeClr val="tx1"/>
-                </a:solidFill>
-                <a:latin typeface="+mn-lt"/>
-                <a:ea typeface="+mn-ea"/>
-                <a:cs typeface="+mn-cs"/>
-              </a:defRPr>
-            </a:lvl4pPr>
-            <a:lvl5pPr>
-              <a:defRPr>
-                <a:solidFill>
-                  <a:schemeClr val="tx1"/>
-                </a:solidFill>
-                <a:latin typeface="+mn-lt"/>
-                <a:ea typeface="+mn-ea"/>
-                <a:cs typeface="+mn-cs"/>
-              </a:defRPr>
-            </a:lvl5pPr>
-            <a:lvl6pPr>
-              <a:defRPr>
-                <a:solidFill>
-                  <a:schemeClr val="tx1"/>
-                </a:solidFill>
-                <a:latin typeface="+mn-lt"/>
-                <a:ea typeface="+mn-ea"/>
-                <a:cs typeface="+mn-cs"/>
-              </a:defRPr>
-            </a:lvl6pPr>
-            <a:lvl7pPr>
-              <a:defRPr>
-                <a:solidFill>
-                  <a:schemeClr val="tx1"/>
-                </a:solidFill>
-                <a:latin typeface="+mn-lt"/>
-                <a:ea typeface="+mn-ea"/>
-                <a:cs typeface="+mn-cs"/>
-              </a:defRPr>
-            </a:lvl7pPr>
-            <a:lvl8pPr>
-              <a:defRPr>
-                <a:solidFill>
-                  <a:schemeClr val="tx1"/>
-                </a:solidFill>
-                <a:latin typeface="+mn-lt"/>
-                <a:ea typeface="+mn-ea"/>
-                <a:cs typeface="+mn-cs"/>
-              </a:defRPr>
-            </a:lvl8pPr>
-            <a:lvl9pPr>
-              <a:defRPr>
-                <a:solidFill>
-                  <a:schemeClr val="tx1"/>
-                </a:solidFill>
-                <a:latin typeface="+mn-lt"/>
-                <a:ea typeface="+mn-ea"/>
-                <a:cs typeface="+mn-cs"/>
-              </a:defRPr>
-            </a:lvl9pPr>
-          </a:lstStyle>
-          <a:p>
-            <a:pPr algn="ctr" defTabSz="1175644" eaLnBrk="1" fontAlgn="auto" hangingPunct="1">
-              <a:spcBef>
-                <a:spcPts val="0"/>
-              </a:spcBef>
-              <a:spcAft>
-                <a:spcPts val="0"/>
-              </a:spcAft>
-              <a:defRPr/>
-            </a:pPr>
-            <a:endParaRPr lang="en-US" dirty="0"/>
-          </a:p>
-        </p:txBody>
-      </p:sp>
-      <p:sp>
-        <p:nvSpPr>
           <p:cNvPr id="183" name="Oval 182">
             <a:extLst>
               <a:ext uri="{FF2B5EF4-FFF2-40B4-BE49-F238E27FC236}">
@@ -9732,7 +9544,7 @@
         </p:nvSpPr>
         <p:spPr bwMode="auto">
           <a:xfrm>
-            <a:off x="7343775" y="5318125"/>
+            <a:off x="7376408" y="5114925"/>
             <a:ext cx="463550" cy="311150"/>
           </a:xfrm>
           <a:prstGeom prst="ellipse">
@@ -9781,6 +9593,196 @@
                 <a:latin typeface="+mj-lt"/>
               </a:rPr>
               <a:t>89</a:t>
+            </a:r>
+          </a:p>
+        </p:txBody>
+      </p:sp>
+      <p:sp>
+        <p:nvSpPr>
+          <p:cNvPr id="3134" name="TextBox 97"/>
+          <p:cNvSpPr txBox="1">
+            <a:spLocks noChangeArrowheads="1"/>
+          </p:cNvSpPr>
+          <p:nvPr/>
+        </p:nvSpPr>
+        <p:spPr bwMode="auto">
+          <a:xfrm>
+            <a:off x="795337" y="5814588"/>
+            <a:ext cx="727075" cy="523875"/>
+          </a:xfrm>
+          <a:prstGeom prst="rect">
+            <a:avLst/>
+          </a:prstGeom>
+          <a:noFill/>
+          <a:ln>
+            <a:noFill/>
+          </a:ln>
+          <a:extLst>
+            <a:ext uri="{909E8E84-426E-40DD-AFC4-6F175D3DCCD1}">
+              <a14:hiddenFill xmlns:a14="http://schemas.microsoft.com/office/drawing/2010/main">
+                <a:solidFill>
+                  <a:srgbClr val="FFFFFF"/>
+                </a:solidFill>
+              </a14:hiddenFill>
+            </a:ext>
+            <a:ext uri="{91240B29-F687-4F45-9708-019B960494DF}">
+              <a14:hiddenLine xmlns:a14="http://schemas.microsoft.com/office/drawing/2010/main" w="9525">
+                <a:solidFill>
+                  <a:srgbClr val="000000"/>
+                </a:solidFill>
+                <a:miter lim="800000"/>
+                <a:headEnd/>
+                <a:tailEnd/>
+              </a14:hiddenLine>
+            </a:ext>
+          </a:extLst>
+        </p:spPr>
+        <p:txBody>
+          <a:bodyPr wrap="none">
+            <a:spAutoFit/>
+          </a:bodyPr>
+          <a:lstStyle>
+            <a:lvl1pPr>
+              <a:spcBef>
+                <a:spcPct val="20000"/>
+              </a:spcBef>
+              <a:buFont typeface="Arial" charset="0"/>
+              <a:buChar char="•"/>
+              <a:defRPr sz="4100">
+                <a:solidFill>
+                  <a:schemeClr val="tx1"/>
+                </a:solidFill>
+                <a:latin typeface="Calibri" charset="0"/>
+              </a:defRPr>
+            </a:lvl1pPr>
+            <a:lvl2pPr marL="742950" indent="-285750">
+              <a:spcBef>
+                <a:spcPct val="20000"/>
+              </a:spcBef>
+              <a:buFont typeface="Arial" charset="0"/>
+              <a:buChar char="–"/>
+              <a:defRPr sz="3600">
+                <a:solidFill>
+                  <a:schemeClr val="tx1"/>
+                </a:solidFill>
+                <a:latin typeface="Calibri" charset="0"/>
+              </a:defRPr>
+            </a:lvl2pPr>
+            <a:lvl3pPr marL="1143000" indent="-228600">
+              <a:spcBef>
+                <a:spcPct val="20000"/>
+              </a:spcBef>
+              <a:buFont typeface="Arial" charset="0"/>
+              <a:buChar char="•"/>
+              <a:defRPr sz="3100">
+                <a:solidFill>
+                  <a:schemeClr val="tx1"/>
+                </a:solidFill>
+                <a:latin typeface="Calibri" charset="0"/>
+              </a:defRPr>
+            </a:lvl3pPr>
+            <a:lvl4pPr marL="1600200" indent="-228600">
+              <a:spcBef>
+                <a:spcPct val="20000"/>
+              </a:spcBef>
+              <a:buFont typeface="Arial" charset="0"/>
+              <a:buChar char="–"/>
+              <a:defRPr sz="2600">
+                <a:solidFill>
+                  <a:schemeClr val="tx1"/>
+                </a:solidFill>
+                <a:latin typeface="Calibri" charset="0"/>
+              </a:defRPr>
+            </a:lvl4pPr>
+            <a:lvl5pPr marL="2057400" indent="-228600">
+              <a:spcBef>
+                <a:spcPct val="20000"/>
+              </a:spcBef>
+              <a:buFont typeface="Arial" charset="0"/>
+              <a:buChar char="»"/>
+              <a:defRPr sz="2600">
+                <a:solidFill>
+                  <a:schemeClr val="tx1"/>
+                </a:solidFill>
+                <a:latin typeface="Calibri" charset="0"/>
+              </a:defRPr>
+            </a:lvl5pPr>
+            <a:lvl6pPr marL="2514600" indent="-228600" defTabSz="1174750" eaLnBrk="0" fontAlgn="base" hangingPunct="0">
+              <a:spcBef>
+                <a:spcPct val="20000"/>
+              </a:spcBef>
+              <a:spcAft>
+                <a:spcPct val="0"/>
+              </a:spcAft>
+              <a:buFont typeface="Arial" charset="0"/>
+              <a:buChar char="»"/>
+              <a:defRPr sz="2600">
+                <a:solidFill>
+                  <a:schemeClr val="tx1"/>
+                </a:solidFill>
+                <a:latin typeface="Calibri" charset="0"/>
+              </a:defRPr>
+            </a:lvl6pPr>
+            <a:lvl7pPr marL="2971800" indent="-228600" defTabSz="1174750" eaLnBrk="0" fontAlgn="base" hangingPunct="0">
+              <a:spcBef>
+                <a:spcPct val="20000"/>
+              </a:spcBef>
+              <a:spcAft>
+                <a:spcPct val="0"/>
+              </a:spcAft>
+              <a:buFont typeface="Arial" charset="0"/>
+              <a:buChar char="»"/>
+              <a:defRPr sz="2600">
+                <a:solidFill>
+                  <a:schemeClr val="tx1"/>
+                </a:solidFill>
+                <a:latin typeface="Calibri" charset="0"/>
+              </a:defRPr>
+            </a:lvl7pPr>
+            <a:lvl8pPr marL="3429000" indent="-228600" defTabSz="1174750" eaLnBrk="0" fontAlgn="base" hangingPunct="0">
+              <a:spcBef>
+                <a:spcPct val="20000"/>
+              </a:spcBef>
+              <a:spcAft>
+                <a:spcPct val="0"/>
+              </a:spcAft>
+              <a:buFont typeface="Arial" charset="0"/>
+              <a:buChar char="»"/>
+              <a:defRPr sz="2600">
+                <a:solidFill>
+                  <a:schemeClr val="tx1"/>
+                </a:solidFill>
+                <a:latin typeface="Calibri" charset="0"/>
+              </a:defRPr>
+            </a:lvl8pPr>
+            <a:lvl9pPr marL="3886200" indent="-228600" defTabSz="1174750" eaLnBrk="0" fontAlgn="base" hangingPunct="0">
+              <a:spcBef>
+                <a:spcPct val="20000"/>
+              </a:spcBef>
+              <a:spcAft>
+                <a:spcPct val="0"/>
+              </a:spcAft>
+              <a:buFont typeface="Arial" charset="0"/>
+              <a:buChar char="»"/>
+              <a:defRPr sz="2600">
+                <a:solidFill>
+                  <a:schemeClr val="tx1"/>
+                </a:solidFill>
+                <a:latin typeface="Calibri" charset="0"/>
+              </a:defRPr>
+            </a:lvl9pPr>
+          </a:lstStyle>
+          <a:p>
+            <a:pPr eaLnBrk="1" hangingPunct="1">
+              <a:spcBef>
+                <a:spcPct val="0"/>
+              </a:spcBef>
+              <a:buFontTx/>
+              <a:buNone/>
+            </a:pPr>
+            <a:r>
+              <a:rPr lang="en-US" altLang="en-US" sz="2800" b="1" dirty="0"/>
+              <a:t>#+2</a:t>
             </a:r>
           </a:p>
         </p:txBody>
@@ -10060,9 +10062,9 @@
           <p:nvPr/>
         </p:nvCxnSpPr>
         <p:spPr>
-          <a:xfrm flipH="1" flipV="1">
-            <a:off x="1107834" y="1936750"/>
-            <a:ext cx="4021" cy="3617913"/>
+          <a:xfrm flipV="1">
+            <a:off x="1158875" y="1702582"/>
+            <a:ext cx="0" cy="3929443"/>
           </a:xfrm>
           <a:prstGeom prst="line">
             <a:avLst/>
@@ -10090,196 +10092,6 @@
           </a:fontRef>
         </p:style>
       </p:cxnSp>
-      <p:sp>
-        <p:nvSpPr>
-          <p:cNvPr id="3172" name="TextBox 97"/>
-          <p:cNvSpPr txBox="1">
-            <a:spLocks noChangeArrowheads="1"/>
-          </p:cNvSpPr>
-          <p:nvPr/>
-        </p:nvSpPr>
-        <p:spPr bwMode="auto">
-          <a:xfrm flipH="1">
-            <a:off x="4430713" y="-536575"/>
-            <a:ext cx="763587" cy="523875"/>
-          </a:xfrm>
-          <a:prstGeom prst="rect">
-            <a:avLst/>
-          </a:prstGeom>
-          <a:noFill/>
-          <a:ln>
-            <a:noFill/>
-          </a:ln>
-          <a:extLst>
-            <a:ext uri="{909E8E84-426E-40DD-AFC4-6F175D3DCCD1}">
-              <a14:hiddenFill xmlns:a14="http://schemas.microsoft.com/office/drawing/2010/main">
-                <a:solidFill>
-                  <a:srgbClr val="FFFFFF"/>
-                </a:solidFill>
-              </a14:hiddenFill>
-            </a:ext>
-            <a:ext uri="{91240B29-F687-4F45-9708-019B960494DF}">
-              <a14:hiddenLine xmlns:a14="http://schemas.microsoft.com/office/drawing/2010/main" w="9525">
-                <a:solidFill>
-                  <a:srgbClr val="000000"/>
-                </a:solidFill>
-                <a:miter lim="800000"/>
-                <a:headEnd/>
-                <a:tailEnd/>
-              </a14:hiddenLine>
-            </a:ext>
-          </a:extLst>
-        </p:spPr>
-        <p:txBody>
-          <a:bodyPr>
-            <a:spAutoFit/>
-          </a:bodyPr>
-          <a:lstStyle>
-            <a:lvl1pPr>
-              <a:spcBef>
-                <a:spcPct val="20000"/>
-              </a:spcBef>
-              <a:buFont typeface="Arial" charset="0"/>
-              <a:buChar char="•"/>
-              <a:defRPr sz="4100">
-                <a:solidFill>
-                  <a:schemeClr val="tx1"/>
-                </a:solidFill>
-                <a:latin typeface="Calibri" charset="0"/>
-              </a:defRPr>
-            </a:lvl1pPr>
-            <a:lvl2pPr marL="742950" indent="-285750">
-              <a:spcBef>
-                <a:spcPct val="20000"/>
-              </a:spcBef>
-              <a:buFont typeface="Arial" charset="0"/>
-              <a:buChar char="–"/>
-              <a:defRPr sz="3600">
-                <a:solidFill>
-                  <a:schemeClr val="tx1"/>
-                </a:solidFill>
-                <a:latin typeface="Calibri" charset="0"/>
-              </a:defRPr>
-            </a:lvl2pPr>
-            <a:lvl3pPr marL="1143000" indent="-228600">
-              <a:spcBef>
-                <a:spcPct val="20000"/>
-              </a:spcBef>
-              <a:buFont typeface="Arial" charset="0"/>
-              <a:buChar char="•"/>
-              <a:defRPr sz="3100">
-                <a:solidFill>
-                  <a:schemeClr val="tx1"/>
-                </a:solidFill>
-                <a:latin typeface="Calibri" charset="0"/>
-              </a:defRPr>
-            </a:lvl3pPr>
-            <a:lvl4pPr marL="1600200" indent="-228600">
-              <a:spcBef>
-                <a:spcPct val="20000"/>
-              </a:spcBef>
-              <a:buFont typeface="Arial" charset="0"/>
-              <a:buChar char="–"/>
-              <a:defRPr sz="2600">
-                <a:solidFill>
-                  <a:schemeClr val="tx1"/>
-                </a:solidFill>
-                <a:latin typeface="Calibri" charset="0"/>
-              </a:defRPr>
-            </a:lvl4pPr>
-            <a:lvl5pPr marL="2057400" indent="-228600">
-              <a:spcBef>
-                <a:spcPct val="20000"/>
-              </a:spcBef>
-              <a:buFont typeface="Arial" charset="0"/>
-              <a:buChar char="»"/>
-              <a:defRPr sz="2600">
-                <a:solidFill>
-                  <a:schemeClr val="tx1"/>
-                </a:solidFill>
-                <a:latin typeface="Calibri" charset="0"/>
-              </a:defRPr>
-            </a:lvl5pPr>
-            <a:lvl6pPr marL="2514600" indent="-228600" defTabSz="1174750" eaLnBrk="0" fontAlgn="base" hangingPunct="0">
-              <a:spcBef>
-                <a:spcPct val="20000"/>
-              </a:spcBef>
-              <a:spcAft>
-                <a:spcPct val="0"/>
-              </a:spcAft>
-              <a:buFont typeface="Arial" charset="0"/>
-              <a:buChar char="»"/>
-              <a:defRPr sz="2600">
-                <a:solidFill>
-                  <a:schemeClr val="tx1"/>
-                </a:solidFill>
-                <a:latin typeface="Calibri" charset="0"/>
-              </a:defRPr>
-            </a:lvl6pPr>
-            <a:lvl7pPr marL="2971800" indent="-228600" defTabSz="1174750" eaLnBrk="0" fontAlgn="base" hangingPunct="0">
-              <a:spcBef>
-                <a:spcPct val="20000"/>
-              </a:spcBef>
-              <a:spcAft>
-                <a:spcPct val="0"/>
-              </a:spcAft>
-              <a:buFont typeface="Arial" charset="0"/>
-              <a:buChar char="»"/>
-              <a:defRPr sz="2600">
-                <a:solidFill>
-                  <a:schemeClr val="tx1"/>
-                </a:solidFill>
-                <a:latin typeface="Calibri" charset="0"/>
-              </a:defRPr>
-            </a:lvl7pPr>
-            <a:lvl8pPr marL="3429000" indent="-228600" defTabSz="1174750" eaLnBrk="0" fontAlgn="base" hangingPunct="0">
-              <a:spcBef>
-                <a:spcPct val="20000"/>
-              </a:spcBef>
-              <a:spcAft>
-                <a:spcPct val="0"/>
-              </a:spcAft>
-              <a:buFont typeface="Arial" charset="0"/>
-              <a:buChar char="»"/>
-              <a:defRPr sz="2600">
-                <a:solidFill>
-                  <a:schemeClr val="tx1"/>
-                </a:solidFill>
-                <a:latin typeface="Calibri" charset="0"/>
-              </a:defRPr>
-            </a:lvl8pPr>
-            <a:lvl9pPr marL="3886200" indent="-228600" defTabSz="1174750" eaLnBrk="0" fontAlgn="base" hangingPunct="0">
-              <a:spcBef>
-                <a:spcPct val="20000"/>
-              </a:spcBef>
-              <a:spcAft>
-                <a:spcPct val="0"/>
-              </a:spcAft>
-              <a:buFont typeface="Arial" charset="0"/>
-              <a:buChar char="»"/>
-              <a:defRPr sz="2600">
-                <a:solidFill>
-                  <a:schemeClr val="tx1"/>
-                </a:solidFill>
-                <a:latin typeface="Calibri" charset="0"/>
-              </a:defRPr>
-            </a:lvl9pPr>
-          </a:lstStyle>
-          <a:p>
-            <a:pPr eaLnBrk="1" hangingPunct="1">
-              <a:spcBef>
-                <a:spcPct val="0"/>
-              </a:spcBef>
-              <a:buFontTx/>
-              <a:buNone/>
-            </a:pPr>
-            <a:r>
-              <a:rPr lang="en-US" altLang="en-US" sz="2800" b="1"/>
-              <a:t>2</a:t>
-            </a:r>
-          </a:p>
-        </p:txBody>
-      </p:sp>
       <p:sp>
         <p:nvSpPr>
           <p:cNvPr id="219" name="Oval 218">
@@ -10934,13 +10746,203 @@
       </p:sp>
       <p:sp>
         <p:nvSpPr>
-          <p:cNvPr id="6" name="TextBox 5"/>
+          <p:cNvPr id="3217" name="TextBox 97"/>
+          <p:cNvSpPr txBox="1">
+            <a:spLocks noChangeArrowheads="1"/>
+          </p:cNvSpPr>
+          <p:nvPr/>
+        </p:nvSpPr>
+        <p:spPr bwMode="auto">
+          <a:xfrm flipH="1">
+            <a:off x="6975475" y="2624138"/>
+            <a:ext cx="765175" cy="523875"/>
+          </a:xfrm>
+          <a:prstGeom prst="rect">
+            <a:avLst/>
+          </a:prstGeom>
+          <a:noFill/>
+          <a:ln>
+            <a:noFill/>
+          </a:ln>
+          <a:extLst>
+            <a:ext uri="{909E8E84-426E-40DD-AFC4-6F175D3DCCD1}">
+              <a14:hiddenFill xmlns:a14="http://schemas.microsoft.com/office/drawing/2010/main">
+                <a:solidFill>
+                  <a:srgbClr val="FFFFFF"/>
+                </a:solidFill>
+              </a14:hiddenFill>
+            </a:ext>
+            <a:ext uri="{91240B29-F687-4F45-9708-019B960494DF}">
+              <a14:hiddenLine xmlns:a14="http://schemas.microsoft.com/office/drawing/2010/main" w="9525">
+                <a:solidFill>
+                  <a:srgbClr val="000000"/>
+                </a:solidFill>
+                <a:miter lim="800000"/>
+                <a:headEnd/>
+                <a:tailEnd/>
+              </a14:hiddenLine>
+            </a:ext>
+          </a:extLst>
+        </p:spPr>
+        <p:txBody>
+          <a:bodyPr>
+            <a:spAutoFit/>
+          </a:bodyPr>
+          <a:lstStyle>
+            <a:lvl1pPr>
+              <a:spcBef>
+                <a:spcPct val="20000"/>
+              </a:spcBef>
+              <a:buFont typeface="Arial" charset="0"/>
+              <a:buChar char="•"/>
+              <a:defRPr sz="4100">
+                <a:solidFill>
+                  <a:schemeClr val="tx1"/>
+                </a:solidFill>
+                <a:latin typeface="Calibri" charset="0"/>
+              </a:defRPr>
+            </a:lvl1pPr>
+            <a:lvl2pPr marL="742950" indent="-285750">
+              <a:spcBef>
+                <a:spcPct val="20000"/>
+              </a:spcBef>
+              <a:buFont typeface="Arial" charset="0"/>
+              <a:buChar char="–"/>
+              <a:defRPr sz="3600">
+                <a:solidFill>
+                  <a:schemeClr val="tx1"/>
+                </a:solidFill>
+                <a:latin typeface="Calibri" charset="0"/>
+              </a:defRPr>
+            </a:lvl2pPr>
+            <a:lvl3pPr marL="1143000" indent="-228600">
+              <a:spcBef>
+                <a:spcPct val="20000"/>
+              </a:spcBef>
+              <a:buFont typeface="Arial" charset="0"/>
+              <a:buChar char="•"/>
+              <a:defRPr sz="3100">
+                <a:solidFill>
+                  <a:schemeClr val="tx1"/>
+                </a:solidFill>
+                <a:latin typeface="Calibri" charset="0"/>
+              </a:defRPr>
+            </a:lvl3pPr>
+            <a:lvl4pPr marL="1600200" indent="-228600">
+              <a:spcBef>
+                <a:spcPct val="20000"/>
+              </a:spcBef>
+              <a:buFont typeface="Arial" charset="0"/>
+              <a:buChar char="–"/>
+              <a:defRPr sz="2600">
+                <a:solidFill>
+                  <a:schemeClr val="tx1"/>
+                </a:solidFill>
+                <a:latin typeface="Calibri" charset="0"/>
+              </a:defRPr>
+            </a:lvl4pPr>
+            <a:lvl5pPr marL="2057400" indent="-228600">
+              <a:spcBef>
+                <a:spcPct val="20000"/>
+              </a:spcBef>
+              <a:buFont typeface="Arial" charset="0"/>
+              <a:buChar char="»"/>
+              <a:defRPr sz="2600">
+                <a:solidFill>
+                  <a:schemeClr val="tx1"/>
+                </a:solidFill>
+                <a:latin typeface="Calibri" charset="0"/>
+              </a:defRPr>
+            </a:lvl5pPr>
+            <a:lvl6pPr marL="2514600" indent="-228600" defTabSz="1174750" eaLnBrk="0" fontAlgn="base" hangingPunct="0">
+              <a:spcBef>
+                <a:spcPct val="20000"/>
+              </a:spcBef>
+              <a:spcAft>
+                <a:spcPct val="0"/>
+              </a:spcAft>
+              <a:buFont typeface="Arial" charset="0"/>
+              <a:buChar char="»"/>
+              <a:defRPr sz="2600">
+                <a:solidFill>
+                  <a:schemeClr val="tx1"/>
+                </a:solidFill>
+                <a:latin typeface="Calibri" charset="0"/>
+              </a:defRPr>
+            </a:lvl6pPr>
+            <a:lvl7pPr marL="2971800" indent="-228600" defTabSz="1174750" eaLnBrk="0" fontAlgn="base" hangingPunct="0">
+              <a:spcBef>
+                <a:spcPct val="20000"/>
+              </a:spcBef>
+              <a:spcAft>
+                <a:spcPct val="0"/>
+              </a:spcAft>
+              <a:buFont typeface="Arial" charset="0"/>
+              <a:buChar char="»"/>
+              <a:defRPr sz="2600">
+                <a:solidFill>
+                  <a:schemeClr val="tx1"/>
+                </a:solidFill>
+                <a:latin typeface="Calibri" charset="0"/>
+              </a:defRPr>
+            </a:lvl7pPr>
+            <a:lvl8pPr marL="3429000" indent="-228600" defTabSz="1174750" eaLnBrk="0" fontAlgn="base" hangingPunct="0">
+              <a:spcBef>
+                <a:spcPct val="20000"/>
+              </a:spcBef>
+              <a:spcAft>
+                <a:spcPct val="0"/>
+              </a:spcAft>
+              <a:buFont typeface="Arial" charset="0"/>
+              <a:buChar char="»"/>
+              <a:defRPr sz="2600">
+                <a:solidFill>
+                  <a:schemeClr val="tx1"/>
+                </a:solidFill>
+                <a:latin typeface="Calibri" charset="0"/>
+              </a:defRPr>
+            </a:lvl8pPr>
+            <a:lvl9pPr marL="3886200" indent="-228600" defTabSz="1174750" eaLnBrk="0" fontAlgn="base" hangingPunct="0">
+              <a:spcBef>
+                <a:spcPct val="20000"/>
+              </a:spcBef>
+              <a:spcAft>
+                <a:spcPct val="0"/>
+              </a:spcAft>
+              <a:buFont typeface="Arial" charset="0"/>
+              <a:buChar char="»"/>
+              <a:defRPr sz="2600">
+                <a:solidFill>
+                  <a:schemeClr val="tx1"/>
+                </a:solidFill>
+                <a:latin typeface="Calibri" charset="0"/>
+              </a:defRPr>
+            </a:lvl9pPr>
+          </a:lstStyle>
+          <a:p>
+            <a:pPr eaLnBrk="1" hangingPunct="1">
+              <a:spcBef>
+                <a:spcPct val="0"/>
+              </a:spcBef>
+              <a:buFontTx/>
+              <a:buNone/>
+            </a:pPr>
+            <a:r>
+              <a:rPr lang="en-US" altLang="en-US" sz="2800" b="1" dirty="0"/>
+              <a:t>8</a:t>
+            </a:r>
+          </a:p>
+        </p:txBody>
+      </p:sp>
+      <p:sp>
+        <p:nvSpPr>
+          <p:cNvPr id="4" name="TextBox 3"/>
           <p:cNvSpPr txBox="1"/>
           <p:nvPr/>
         </p:nvSpPr>
         <p:spPr>
           <a:xfrm>
-            <a:off x="12458700" y="2647950"/>
+            <a:off x="81280" y="4632960"/>
             <a:ext cx="184731" cy="446276"/>
           </a:xfrm>
           <a:prstGeom prst="rect">
@@ -10954,390 +10956,151 @@
           </a:bodyPr>
           <a:lstStyle/>
           <a:p>
-            <a:endParaRPr lang="en-US"/>
+            <a:endParaRPr lang="en-US" dirty="0"/>
           </a:p>
         </p:txBody>
       </p:sp>
-      <p:sp>
-        <p:nvSpPr>
-          <p:cNvPr id="174" name="Freeform 173">
+      <p:cxnSp>
+        <p:nvCxnSpPr>
+          <p:cNvPr id="47" name="Straight Connector 46">
             <a:extLst>
               <a:ext uri="{FF2B5EF4-FFF2-40B4-BE49-F238E27FC236}">
-                <a16:creationId xmlns:a16="http://schemas.microsoft.com/office/drawing/2014/main" id="{984A1513-EB6E-5F4F-90A6-26435057E181}"/>
+                <a16:creationId xmlns:a16="http://schemas.microsoft.com/office/drawing/2014/main" id="{D8D92746-55E4-5E44-ADD7-06A621568BD1}"/>
               </a:ext>
             </a:extLst>
           </p:cNvPr>
-          <p:cNvSpPr/>
+          <p:cNvCxnSpPr>
+            <a:cxnSpLocks/>
+          </p:cNvCxnSpPr>
           <p:nvPr/>
-        </p:nvSpPr>
+        </p:nvCxnSpPr>
         <p:spPr>
-          <a:xfrm rot="17002845">
-            <a:off x="5919252" y="3246570"/>
-            <a:ext cx="567235" cy="2911208"/>
+          <a:xfrm flipH="1" flipV="1">
+            <a:off x="2855215" y="6239286"/>
+            <a:ext cx="2650235" cy="1"/>
           </a:xfrm>
-          <a:custGeom>
+          <a:prstGeom prst="line">
             <a:avLst/>
-            <a:gdLst>
-              <a:gd name="connsiteX0" fmla="*/ 0 w 173065"/>
-              <a:gd name="connsiteY0" fmla="*/ 718088 h 718088"/>
-              <a:gd name="connsiteX1" fmla="*/ 144651 w 173065"/>
-              <a:gd name="connsiteY1" fmla="*/ 511444 h 718088"/>
-              <a:gd name="connsiteX2" fmla="*/ 170482 w 173065"/>
-              <a:gd name="connsiteY2" fmla="*/ 0 h 718088"/>
-            </a:gdLst>
-            <a:ahLst/>
-            <a:cxnLst>
-              <a:cxn ang="0">
-                <a:pos x="connsiteX0" y="connsiteY0"/>
-              </a:cxn>
-              <a:cxn ang="0">
-                <a:pos x="connsiteX1" y="connsiteY1"/>
-              </a:cxn>
-              <a:cxn ang="0">
-                <a:pos x="connsiteX2" y="connsiteY2"/>
-              </a:cxn>
-            </a:cxnLst>
-            <a:rect l="l" t="t" r="r" b="b"/>
-            <a:pathLst>
-              <a:path w="173065" h="718088">
-                <a:moveTo>
-                  <a:pt x="0" y="718088"/>
-                </a:moveTo>
-                <a:cubicBezTo>
-                  <a:pt x="58118" y="674606"/>
-                  <a:pt x="116237" y="631125"/>
-                  <a:pt x="144651" y="511444"/>
-                </a:cubicBezTo>
-                <a:cubicBezTo>
-                  <a:pt x="173065" y="391763"/>
-                  <a:pt x="171773" y="195881"/>
-                  <a:pt x="170482" y="0"/>
-                </a:cubicBezTo>
-              </a:path>
-            </a:pathLst>
-          </a:custGeom>
-          <a:ln w="57150" cmpd="sng">
+          </a:prstGeom>
+          <a:ln w="57150">
             <a:solidFill>
               <a:srgbClr val="FF0000"/>
             </a:solidFill>
-            <a:prstDash val="solid"/>
+            <a:headEnd type="none"/>
             <a:tailEnd type="stealth" w="lg" len="lg"/>
           </a:ln>
         </p:spPr>
         <p:style>
           <a:lnRef idx="1">
-            <a:schemeClr val="dk1"/>
+            <a:schemeClr val="accent1"/>
           </a:lnRef>
           <a:fillRef idx="0">
-            <a:schemeClr val="dk1"/>
+            <a:schemeClr val="accent1"/>
           </a:fillRef>
           <a:effectRef idx="0">
-            <a:schemeClr val="dk1"/>
+            <a:schemeClr val="accent1"/>
           </a:effectRef>
           <a:fontRef idx="minor">
             <a:schemeClr val="tx1"/>
           </a:fontRef>
         </p:style>
-        <p:txBody>
-          <a:bodyPr anchor="ctr"/>
-          <a:lstStyle>
-            <a:lvl1pPr>
-              <a:defRPr>
-                <a:solidFill>
-                  <a:schemeClr val="tx1"/>
-                </a:solidFill>
-                <a:latin typeface="+mn-lt"/>
-                <a:ea typeface="+mn-ea"/>
-                <a:cs typeface="+mn-cs"/>
-              </a:defRPr>
-            </a:lvl1pPr>
-            <a:lvl2pPr>
-              <a:defRPr>
-                <a:solidFill>
-                  <a:schemeClr val="tx1"/>
-                </a:solidFill>
-                <a:latin typeface="+mn-lt"/>
-                <a:ea typeface="+mn-ea"/>
-                <a:cs typeface="+mn-cs"/>
-              </a:defRPr>
-            </a:lvl2pPr>
-            <a:lvl3pPr>
-              <a:defRPr>
-                <a:solidFill>
-                  <a:schemeClr val="tx1"/>
-                </a:solidFill>
-                <a:latin typeface="+mn-lt"/>
-                <a:ea typeface="+mn-ea"/>
-                <a:cs typeface="+mn-cs"/>
-              </a:defRPr>
-            </a:lvl3pPr>
-            <a:lvl4pPr>
-              <a:defRPr>
-                <a:solidFill>
-                  <a:schemeClr val="tx1"/>
-                </a:solidFill>
-                <a:latin typeface="+mn-lt"/>
-                <a:ea typeface="+mn-ea"/>
-                <a:cs typeface="+mn-cs"/>
-              </a:defRPr>
-            </a:lvl4pPr>
-            <a:lvl5pPr>
-              <a:defRPr>
-                <a:solidFill>
-                  <a:schemeClr val="tx1"/>
-                </a:solidFill>
-                <a:latin typeface="+mn-lt"/>
-                <a:ea typeface="+mn-ea"/>
-                <a:cs typeface="+mn-cs"/>
-              </a:defRPr>
-            </a:lvl5pPr>
-            <a:lvl6pPr>
-              <a:defRPr>
-                <a:solidFill>
-                  <a:schemeClr val="tx1"/>
-                </a:solidFill>
-                <a:latin typeface="+mn-lt"/>
-                <a:ea typeface="+mn-ea"/>
-                <a:cs typeface="+mn-cs"/>
-              </a:defRPr>
-            </a:lvl6pPr>
-            <a:lvl7pPr>
-              <a:defRPr>
-                <a:solidFill>
-                  <a:schemeClr val="tx1"/>
-                </a:solidFill>
-                <a:latin typeface="+mn-lt"/>
-                <a:ea typeface="+mn-ea"/>
-                <a:cs typeface="+mn-cs"/>
-              </a:defRPr>
-            </a:lvl7pPr>
-            <a:lvl8pPr>
-              <a:defRPr>
-                <a:solidFill>
-                  <a:schemeClr val="tx1"/>
-                </a:solidFill>
-                <a:latin typeface="+mn-lt"/>
-                <a:ea typeface="+mn-ea"/>
-                <a:cs typeface="+mn-cs"/>
-              </a:defRPr>
-            </a:lvl8pPr>
-            <a:lvl9pPr>
-              <a:defRPr>
-                <a:solidFill>
-                  <a:schemeClr val="tx1"/>
-                </a:solidFill>
-                <a:latin typeface="+mn-lt"/>
-                <a:ea typeface="+mn-ea"/>
-                <a:cs typeface="+mn-cs"/>
-              </a:defRPr>
-            </a:lvl9pPr>
-          </a:lstStyle>
-          <a:p>
-            <a:pPr algn="ctr" defTabSz="1175644" eaLnBrk="1" fontAlgn="auto" hangingPunct="1">
-              <a:spcBef>
-                <a:spcPts val="0"/>
-              </a:spcBef>
-              <a:spcAft>
-                <a:spcPts val="0"/>
-              </a:spcAft>
-              <a:defRPr/>
-            </a:pPr>
-            <a:endParaRPr lang="en-US" dirty="0"/>
-          </a:p>
-        </p:txBody>
-      </p:sp>
-      <p:sp>
-        <p:nvSpPr>
-          <p:cNvPr id="175" name="Freeform 174">
+      </p:cxnSp>
+      <p:cxnSp>
+        <p:nvCxnSpPr>
+          <p:cNvPr id="52" name="Straight Connector 51">
             <a:extLst>
               <a:ext uri="{FF2B5EF4-FFF2-40B4-BE49-F238E27FC236}">
-                <a16:creationId xmlns:a16="http://schemas.microsoft.com/office/drawing/2014/main" id="{53F9AB51-986D-CF42-A851-6D288DCFDB07}"/>
+                <a16:creationId xmlns:a16="http://schemas.microsoft.com/office/drawing/2014/main" id="{FD7ADAC9-B948-7B41-8DDA-1984247C4BE9}"/>
               </a:ext>
             </a:extLst>
           </p:cNvPr>
-          <p:cNvSpPr/>
+          <p:cNvCxnSpPr>
+            <a:cxnSpLocks/>
+            <a:stCxn id="219" idx="0"/>
+          </p:cNvCxnSpPr>
           <p:nvPr/>
-        </p:nvSpPr>
+        </p:nvCxnSpPr>
         <p:spPr>
-          <a:xfrm rot="18044620">
-            <a:off x="10893935" y="2889023"/>
-            <a:ext cx="456703" cy="2744964"/>
+          <a:xfrm flipH="1" flipV="1">
+            <a:off x="4848671" y="3843837"/>
+            <a:ext cx="4015136" cy="1507626"/>
           </a:xfrm>
-          <a:custGeom>
+          <a:prstGeom prst="line">
             <a:avLst/>
-            <a:gdLst>
-              <a:gd name="connsiteX0" fmla="*/ 0 w 173065"/>
-              <a:gd name="connsiteY0" fmla="*/ 718088 h 718088"/>
-              <a:gd name="connsiteX1" fmla="*/ 144651 w 173065"/>
-              <a:gd name="connsiteY1" fmla="*/ 511444 h 718088"/>
-              <a:gd name="connsiteX2" fmla="*/ 170482 w 173065"/>
-              <a:gd name="connsiteY2" fmla="*/ 0 h 718088"/>
-            </a:gdLst>
-            <a:ahLst/>
-            <a:cxnLst>
-              <a:cxn ang="0">
-                <a:pos x="connsiteX0" y="connsiteY0"/>
-              </a:cxn>
-              <a:cxn ang="0">
-                <a:pos x="connsiteX1" y="connsiteY1"/>
-              </a:cxn>
-              <a:cxn ang="0">
-                <a:pos x="connsiteX2" y="connsiteY2"/>
-              </a:cxn>
-            </a:cxnLst>
-            <a:rect l="l" t="t" r="r" b="b"/>
-            <a:pathLst>
-              <a:path w="173065" h="718088">
-                <a:moveTo>
-                  <a:pt x="0" y="718088"/>
-                </a:moveTo>
-                <a:cubicBezTo>
-                  <a:pt x="58118" y="674606"/>
-                  <a:pt x="116237" y="631125"/>
-                  <a:pt x="144651" y="511444"/>
-                </a:cubicBezTo>
-                <a:cubicBezTo>
-                  <a:pt x="173065" y="391763"/>
-                  <a:pt x="171773" y="195881"/>
-                  <a:pt x="170482" y="0"/>
-                </a:cubicBezTo>
-              </a:path>
-            </a:pathLst>
-          </a:custGeom>
-          <a:ln w="57150" cmpd="sng">
+          </a:prstGeom>
+          <a:ln w="57150">
             <a:solidFill>
               <a:srgbClr val="FF0000"/>
             </a:solidFill>
-            <a:prstDash val="solid"/>
+            <a:headEnd type="none"/>
             <a:tailEnd type="stealth" w="lg" len="lg"/>
           </a:ln>
         </p:spPr>
         <p:style>
           <a:lnRef idx="1">
-            <a:schemeClr val="dk1"/>
+            <a:schemeClr val="accent1"/>
           </a:lnRef>
           <a:fillRef idx="0">
-            <a:schemeClr val="dk1"/>
+            <a:schemeClr val="accent1"/>
           </a:fillRef>
           <a:effectRef idx="0">
-            <a:schemeClr val="dk1"/>
+            <a:schemeClr val="accent1"/>
           </a:effectRef>
           <a:fontRef idx="minor">
             <a:schemeClr val="tx1"/>
           </a:fontRef>
         </p:style>
-        <p:txBody>
-          <a:bodyPr anchor="ctr"/>
-          <a:lstStyle>
-            <a:lvl1pPr>
-              <a:defRPr>
-                <a:solidFill>
-                  <a:schemeClr val="tx1"/>
-                </a:solidFill>
-                <a:latin typeface="+mn-lt"/>
-                <a:ea typeface="+mn-ea"/>
-                <a:cs typeface="+mn-cs"/>
-              </a:defRPr>
-            </a:lvl1pPr>
-            <a:lvl2pPr>
-              <a:defRPr>
-                <a:solidFill>
-                  <a:schemeClr val="tx1"/>
-                </a:solidFill>
-                <a:latin typeface="+mn-lt"/>
-                <a:ea typeface="+mn-ea"/>
-                <a:cs typeface="+mn-cs"/>
-              </a:defRPr>
-            </a:lvl2pPr>
-            <a:lvl3pPr>
-              <a:defRPr>
-                <a:solidFill>
-                  <a:schemeClr val="tx1"/>
-                </a:solidFill>
-                <a:latin typeface="+mn-lt"/>
-                <a:ea typeface="+mn-ea"/>
-                <a:cs typeface="+mn-cs"/>
-              </a:defRPr>
-            </a:lvl3pPr>
-            <a:lvl4pPr>
-              <a:defRPr>
-                <a:solidFill>
-                  <a:schemeClr val="tx1"/>
-                </a:solidFill>
-                <a:latin typeface="+mn-lt"/>
-                <a:ea typeface="+mn-ea"/>
-                <a:cs typeface="+mn-cs"/>
-              </a:defRPr>
-            </a:lvl4pPr>
-            <a:lvl5pPr>
-              <a:defRPr>
-                <a:solidFill>
-                  <a:schemeClr val="tx1"/>
-                </a:solidFill>
-                <a:latin typeface="+mn-lt"/>
-                <a:ea typeface="+mn-ea"/>
-                <a:cs typeface="+mn-cs"/>
-              </a:defRPr>
-            </a:lvl5pPr>
-            <a:lvl6pPr>
-              <a:defRPr>
-                <a:solidFill>
-                  <a:schemeClr val="tx1"/>
-                </a:solidFill>
-                <a:latin typeface="+mn-lt"/>
-                <a:ea typeface="+mn-ea"/>
-                <a:cs typeface="+mn-cs"/>
-              </a:defRPr>
-            </a:lvl6pPr>
-            <a:lvl7pPr>
-              <a:defRPr>
-                <a:solidFill>
-                  <a:schemeClr val="tx1"/>
-                </a:solidFill>
-                <a:latin typeface="+mn-lt"/>
-                <a:ea typeface="+mn-ea"/>
-                <a:cs typeface="+mn-cs"/>
-              </a:defRPr>
-            </a:lvl7pPr>
-            <a:lvl8pPr>
-              <a:defRPr>
-                <a:solidFill>
-                  <a:schemeClr val="tx1"/>
-                </a:solidFill>
-                <a:latin typeface="+mn-lt"/>
-                <a:ea typeface="+mn-ea"/>
-                <a:cs typeface="+mn-cs"/>
-              </a:defRPr>
-            </a:lvl8pPr>
-            <a:lvl9pPr>
-              <a:defRPr>
-                <a:solidFill>
-                  <a:schemeClr val="tx1"/>
-                </a:solidFill>
-                <a:latin typeface="+mn-lt"/>
-                <a:ea typeface="+mn-ea"/>
-                <a:cs typeface="+mn-cs"/>
-              </a:defRPr>
-            </a:lvl9pPr>
-          </a:lstStyle>
-          <a:p>
-            <a:pPr algn="ctr" defTabSz="1175644" eaLnBrk="1" fontAlgn="auto" hangingPunct="1">
-              <a:spcBef>
-                <a:spcPts val="0"/>
-              </a:spcBef>
-              <a:spcAft>
-                <a:spcPts val="0"/>
-              </a:spcAft>
-              <a:defRPr/>
-            </a:pPr>
-            <a:endParaRPr lang="en-US" dirty="0"/>
-          </a:p>
-        </p:txBody>
-      </p:sp>
+      </p:cxnSp>
+      <p:cxnSp>
+        <p:nvCxnSpPr>
+          <p:cNvPr id="54" name="Straight Connector 53">
+            <a:extLst>
+              <a:ext uri="{FF2B5EF4-FFF2-40B4-BE49-F238E27FC236}">
+                <a16:creationId xmlns:a16="http://schemas.microsoft.com/office/drawing/2014/main" id="{51D2E4E9-472E-F74A-9F1D-97334E0A57D8}"/>
+              </a:ext>
+            </a:extLst>
+          </p:cNvPr>
+          <p:cNvCxnSpPr>
+            <a:cxnSpLocks/>
+            <a:stCxn id="212" idx="1"/>
+          </p:cNvCxnSpPr>
+          <p:nvPr/>
+        </p:nvCxnSpPr>
+        <p:spPr>
+          <a:xfrm flipH="1" flipV="1">
+            <a:off x="7740650" y="3456487"/>
+            <a:ext cx="4246185" cy="1757050"/>
+          </a:xfrm>
+          <a:prstGeom prst="line">
+            <a:avLst/>
+          </a:prstGeom>
+          <a:ln w="57150">
+            <a:solidFill>
+              <a:srgbClr val="FF0000"/>
+            </a:solidFill>
+            <a:headEnd type="none"/>
+            <a:tailEnd type="stealth" w="lg" len="lg"/>
+          </a:ln>
+        </p:spPr>
+        <p:style>
+          <a:lnRef idx="1">
+            <a:schemeClr val="accent1"/>
+          </a:lnRef>
+          <a:fillRef idx="0">
+            <a:schemeClr val="accent1"/>
+          </a:fillRef>
+          <a:effectRef idx="0">
+            <a:schemeClr val="accent1"/>
+          </a:effectRef>
+          <a:fontRef idx="minor">
+            <a:schemeClr val="tx1"/>
+          </a:fontRef>
+        </p:style>
+      </p:cxnSp>
     </p:spTree>
     <p:extLst>
       <p:ext uri="{BB962C8B-B14F-4D97-AF65-F5344CB8AC3E}">
-        <p14:creationId xmlns:p14="http://schemas.microsoft.com/office/powerpoint/2010/main" val="3019540609"/>
+        <p14:creationId xmlns:p14="http://schemas.microsoft.com/office/powerpoint/2010/main" val="2076808268"/>
       </p:ext>
     </p:extLst>
   </p:cSld>
